--- a/supp/Publication/images/RawPPT/2023-TNNLS-ImageClassification.pptx
+++ b/supp/Publication/images/RawPPT/2023-TNNLS-ImageClassification.pptx
@@ -8,7 +8,7 @@
     <p:notesMasterId r:id="rId3"/>
   </p:notesMasterIdLst>
   <p:sldIdLst>
-    <p:sldId id="263" r:id="rId2"/>
+    <p:sldId id="265" r:id="rId2"/>
   </p:sldIdLst>
   <p:sldSz cx="12239625" cy="7199313"/>
   <p:notesSz cx="6858000" cy="9144000"/>
@@ -3328,10 +3328,10 @@
       </p:grpSpPr>
       <p:grpSp>
         <p:nvGrpSpPr>
-          <p:cNvPr id="7" name="Group 6">
+          <p:cNvPr id="3" name="Group 2">
             <a:extLst>
               <a:ext uri="{FF2B5EF4-FFF2-40B4-BE49-F238E27FC236}">
-                <a16:creationId xmlns:a16="http://schemas.microsoft.com/office/drawing/2014/main" id="{7F557B9D-B854-FE6F-9512-F2C295812887}"/>
+                <a16:creationId xmlns:a16="http://schemas.microsoft.com/office/drawing/2014/main" id="{3A5C4E62-D10F-BBF3-ACE1-5474648405E5}"/>
               </a:ext>
             </a:extLst>
           </p:cNvPr>
@@ -3342,18 +3342,18 @@
         </p:nvGrpSpPr>
         <p:grpSpPr>
           <a:xfrm>
-            <a:off x="-188" y="501117"/>
-            <a:ext cx="12240000" cy="6197079"/>
-            <a:chOff x="191141" y="559699"/>
-            <a:chExt cx="12008585" cy="6079914"/>
+            <a:off x="-188" y="511267"/>
+            <a:ext cx="12240000" cy="6176779"/>
+            <a:chOff x="1828800" y="1694517"/>
+            <a:chExt cx="7847197" cy="3960000"/>
           </a:xfrm>
         </p:grpSpPr>
         <p:pic>
           <p:nvPicPr>
-            <p:cNvPr id="4" name="Picture 3" descr="A couple of birds perched on a tree branch&#10;&#10;Description automatically generated with medium confidence">
+            <p:cNvPr id="5" name="图片 5" descr="704">
               <a:extLst>
                 <a:ext uri="{FF2B5EF4-FFF2-40B4-BE49-F238E27FC236}">
-                  <a16:creationId xmlns:a16="http://schemas.microsoft.com/office/drawing/2014/main" id="{0AC63D45-FE1B-AD8B-D7AB-DE449785BCE9}"/>
+                  <a16:creationId xmlns:a16="http://schemas.microsoft.com/office/drawing/2014/main" id="{0674D329-4CE2-2F45-3A4E-697BED461346}"/>
                 </a:ext>
               </a:extLst>
             </p:cNvPr>
@@ -3362,22 +3362,15 @@
             </p:cNvPicPr>
             <p:nvPr/>
           </p:nvPicPr>
-          <p:blipFill>
-            <a:blip r:embed="rId2">
-              <a:extLst>
-                <a:ext uri="{28A0092B-C50C-407E-A947-70E740481C1C}">
-                  <a14:useLocalDpi xmlns:a14="http://schemas.microsoft.com/office/drawing/2010/main" val="0"/>
-                </a:ext>
-              </a:extLst>
-            </a:blip>
-            <a:stretch>
-              <a:fillRect/>
-            </a:stretch>
+          <p:blipFill rotWithShape="1">
+            <a:blip r:embed="rId2"/>
+            <a:srcRect l="20852" t="12085" r="74325" b="81380"/>
+            <a:stretch/>
           </p:blipFill>
           <p:spPr>
             <a:xfrm>
-              <a:off x="191141" y="559700"/>
-              <a:ext cx="5928671" cy="6079913"/>
+              <a:off x="1828800" y="1694517"/>
+              <a:ext cx="3896943" cy="3960000"/>
             </a:xfrm>
             <a:prstGeom prst="rect">
               <a:avLst/>
@@ -3386,10 +3379,10 @@
         </p:pic>
         <p:pic>
           <p:nvPicPr>
-            <p:cNvPr id="6" name="Picture 5" descr="A couple of birds swimming in water&#10;&#10;Description automatically generated with low confidence">
+            <p:cNvPr id="2" name="图片 21" descr="704">
               <a:extLst>
                 <a:ext uri="{FF2B5EF4-FFF2-40B4-BE49-F238E27FC236}">
-                  <a16:creationId xmlns:a16="http://schemas.microsoft.com/office/drawing/2014/main" id="{CE402A03-30AF-7965-F822-B5B0724CDC9A}"/>
+                  <a16:creationId xmlns:a16="http://schemas.microsoft.com/office/drawing/2014/main" id="{07191E8F-B944-A345-BF3B-619F978A94DD}"/>
                 </a:ext>
               </a:extLst>
             </p:cNvPr>
@@ -3398,22 +3391,15 @@
             </p:cNvPicPr>
             <p:nvPr/>
           </p:nvPicPr>
-          <p:blipFill>
-            <a:blip r:embed="rId3">
-              <a:extLst>
-                <a:ext uri="{28A0092B-C50C-407E-A947-70E740481C1C}">
-                  <a14:useLocalDpi xmlns:a14="http://schemas.microsoft.com/office/drawing/2010/main" val="0"/>
-                </a:ext>
-              </a:extLst>
-            </a:blip>
-            <a:stretch>
-              <a:fillRect/>
-            </a:stretch>
+          <p:blipFill rotWithShape="1">
+            <a:blip r:embed="rId2"/>
+            <a:srcRect l="76801" t="29687" r="18330" b="63819"/>
+            <a:stretch/>
           </p:blipFill>
           <p:spPr>
             <a:xfrm>
-              <a:off x="6119812" y="559699"/>
-              <a:ext cx="6079914" cy="6079914"/>
+              <a:off x="5715996" y="1694517"/>
+              <a:ext cx="3960001" cy="3960000"/>
             </a:xfrm>
             <a:prstGeom prst="rect">
               <a:avLst/>
@@ -3424,7 +3410,7 @@
     </p:spTree>
     <p:extLst>
       <p:ext uri="{BB962C8B-B14F-4D97-AF65-F5344CB8AC3E}">
-        <p14:creationId xmlns:p14="http://schemas.microsoft.com/office/powerpoint/2010/main" val="4294646869"/>
+        <p14:creationId xmlns:p14="http://schemas.microsoft.com/office/powerpoint/2010/main" val="1922304822"/>
       </p:ext>
     </p:extLst>
   </p:cSld>
